--- a/화면구성/to최원석부장님/4.1. [total] 1월 17일까지/에너지 화면구성_by0117.pptx
+++ b/화면구성/to최원석부장님/4.1. [total] 1월 17일까지/에너지 화면구성_by0117.pptx
@@ -3366,6 +3366,176 @@
           </a:ln>
         </p:spPr>
       </p:pic>
+      <p:pic>
+        <p:nvPicPr>
+          <p:cNvPr id="3" name="그림 2">
+            <a:extLst>
+              <a:ext uri="{FF2B5EF4-FFF2-40B4-BE49-F238E27FC236}">
+                <a16:creationId xmlns:a16="http://schemas.microsoft.com/office/drawing/2014/main" id="{6E36FA0C-956E-6DC0-45E7-45ECB76789FC}"/>
+              </a:ext>
+            </a:extLst>
+          </p:cNvPr>
+          <p:cNvPicPr>
+            <a:picLocks noChangeAspect="1"/>
+          </p:cNvPicPr>
+          <p:nvPr/>
+        </p:nvPicPr>
+        <p:blipFill>
+          <a:blip r:embed="rId3"/>
+          <a:stretch>
+            <a:fillRect/>
+          </a:stretch>
+        </p:blipFill>
+        <p:spPr>
+          <a:xfrm>
+            <a:off x="7063079" y="0"/>
+            <a:ext cx="3451123" cy="6858000"/>
+          </a:xfrm>
+          <a:prstGeom prst="rect">
+            <a:avLst/>
+          </a:prstGeom>
+        </p:spPr>
+      </p:pic>
+      <p:sp>
+        <p:nvSpPr>
+          <p:cNvPr id="4" name="직사각형 3">
+            <a:extLst>
+              <a:ext uri="{FF2B5EF4-FFF2-40B4-BE49-F238E27FC236}">
+                <a16:creationId xmlns:a16="http://schemas.microsoft.com/office/drawing/2014/main" id="{4803A7A3-5CEA-59CA-61F6-0616AEBFB2A2}"/>
+              </a:ext>
+            </a:extLst>
+          </p:cNvPr>
+          <p:cNvSpPr/>
+          <p:nvPr/>
+        </p:nvSpPr>
+        <p:spPr>
+          <a:xfrm>
+            <a:off x="1147233" y="178893"/>
+            <a:ext cx="4851399" cy="604274"/>
+          </a:xfrm>
+          <a:prstGeom prst="rect">
+            <a:avLst/>
+          </a:prstGeom>
+          <a:noFill/>
+        </p:spPr>
+        <p:style>
+          <a:lnRef idx="2">
+            <a:schemeClr val="accent1">
+              <a:shade val="15000"/>
+            </a:schemeClr>
+          </a:lnRef>
+          <a:fillRef idx="1">
+            <a:schemeClr val="accent1"/>
+          </a:fillRef>
+          <a:effectRef idx="0">
+            <a:schemeClr val="accent1"/>
+          </a:effectRef>
+          <a:fontRef idx="minor">
+            <a:schemeClr val="lt1"/>
+          </a:fontRef>
+        </p:style>
+        <p:txBody>
+          <a:bodyPr rtlCol="0" anchor="ctr"/>
+          <a:lstStyle/>
+          <a:p>
+            <a:pPr algn="ctr"/>
+            <a:endParaRPr lang="ko-KR" altLang="en-US"/>
+          </a:p>
+        </p:txBody>
+      </p:sp>
+      <p:sp>
+        <p:nvSpPr>
+          <p:cNvPr id="6" name="직사각형 5">
+            <a:extLst>
+              <a:ext uri="{FF2B5EF4-FFF2-40B4-BE49-F238E27FC236}">
+                <a16:creationId xmlns:a16="http://schemas.microsoft.com/office/drawing/2014/main" id="{4AA7BC36-F5F8-F445-B508-9CD1CC754FAF}"/>
+              </a:ext>
+            </a:extLst>
+          </p:cNvPr>
+          <p:cNvSpPr/>
+          <p:nvPr/>
+        </p:nvSpPr>
+        <p:spPr>
+          <a:xfrm>
+            <a:off x="1147233" y="783167"/>
+            <a:ext cx="4851399" cy="604274"/>
+          </a:xfrm>
+          <a:prstGeom prst="rect">
+            <a:avLst/>
+          </a:prstGeom>
+          <a:noFill/>
+        </p:spPr>
+        <p:style>
+          <a:lnRef idx="2">
+            <a:schemeClr val="accent1">
+              <a:shade val="15000"/>
+            </a:schemeClr>
+          </a:lnRef>
+          <a:fillRef idx="1">
+            <a:schemeClr val="accent1"/>
+          </a:fillRef>
+          <a:effectRef idx="0">
+            <a:schemeClr val="accent1"/>
+          </a:effectRef>
+          <a:fontRef idx="minor">
+            <a:schemeClr val="lt1"/>
+          </a:fontRef>
+        </p:style>
+        <p:txBody>
+          <a:bodyPr rtlCol="0" anchor="ctr"/>
+          <a:lstStyle/>
+          <a:p>
+            <a:pPr algn="ctr"/>
+            <a:endParaRPr lang="ko-KR" altLang="en-US"/>
+          </a:p>
+        </p:txBody>
+      </p:sp>
+      <p:sp>
+        <p:nvSpPr>
+          <p:cNvPr id="7" name="곱하기 기호 6">
+            <a:extLst>
+              <a:ext uri="{FF2B5EF4-FFF2-40B4-BE49-F238E27FC236}">
+                <a16:creationId xmlns:a16="http://schemas.microsoft.com/office/drawing/2014/main" id="{5D4CD8BA-2792-59F2-5197-73352187BAF5}"/>
+              </a:ext>
+            </a:extLst>
+          </p:cNvPr>
+          <p:cNvSpPr/>
+          <p:nvPr/>
+        </p:nvSpPr>
+        <p:spPr>
+          <a:xfrm>
+            <a:off x="7218680" y="5298440"/>
+            <a:ext cx="2936240" cy="1473200"/>
+          </a:xfrm>
+          <a:prstGeom prst="mathMultiply">
+            <a:avLst/>
+          </a:prstGeom>
+        </p:spPr>
+        <p:style>
+          <a:lnRef idx="2">
+            <a:schemeClr val="accent1">
+              <a:shade val="15000"/>
+            </a:schemeClr>
+          </a:lnRef>
+          <a:fillRef idx="1">
+            <a:schemeClr val="accent1"/>
+          </a:fillRef>
+          <a:effectRef idx="0">
+            <a:schemeClr val="accent1"/>
+          </a:effectRef>
+          <a:fontRef idx="minor">
+            <a:schemeClr val="lt1"/>
+          </a:fontRef>
+        </p:style>
+        <p:txBody>
+          <a:bodyPr rtlCol="0" anchor="ctr"/>
+          <a:lstStyle/>
+          <a:p>
+            <a:pPr algn="ctr"/>
+            <a:endParaRPr lang="ko-KR" altLang="en-US"/>
+          </a:p>
+        </p:txBody>
+      </p:sp>
     </p:spTree>
     <p:extLst>
       <p:ext uri="{BB962C8B-B14F-4D97-AF65-F5344CB8AC3E}">
